--- a/reviews/2022-05-02.pptx
+++ b/reviews/2022-05-02.pptx
@@ -5,7 +5,7 @@
     <p:sldMasterId id="2147483660" r:id="rId1"/>
   </p:sldMasterIdLst>
   <p:notesMasterIdLst>
-    <p:notesMasterId r:id="rId8"/>
+    <p:notesMasterId r:id="rId9"/>
   </p:notesMasterIdLst>
   <p:sldIdLst>
     <p:sldId id="256" r:id="rId2"/>
@@ -14,6 +14,7 @@
     <p:sldId id="262" r:id="rId5"/>
     <p:sldId id="263" r:id="rId6"/>
     <p:sldId id="259" r:id="rId7"/>
+    <p:sldId id="264" r:id="rId8"/>
   </p:sldIdLst>
   <p:sldSz cx="9144000" cy="6858000" type="screen4x3"/>
   <p:notesSz cx="6858000" cy="9144000"/>
@@ -4035,12 +4036,11 @@
           <a:p>
             <a:pPr lvl="2"/>
             <a:r>
-              <a:rPr lang="en-SG" b="0" i="0" dirty="0">
-                <a:effectLst/>
+              <a:rPr lang="en-SG" dirty="0">
                 <a:latin typeface="Roboto" panose="02000000000000000000" pitchFamily="2" charset="0"/>
                 <a:hlinkClick r:id="rId3"/>
               </a:rPr>
-              <a:t>CSS Crash Course For Absolute Beginners</a:t>
+              <a:t>CSS Crash Course in 30 minutes</a:t>
             </a:r>
             <a:endParaRPr lang="en-SG" b="0" i="0" dirty="0">
               <a:effectLst/>
@@ -4063,6 +4063,21 @@
             </a:endParaRPr>
           </a:p>
           <a:p>
+            <a:pPr lvl="2"/>
+            <a:r>
+              <a:rPr lang="en-SG" b="0" i="0" dirty="0">
+                <a:effectLst/>
+                <a:latin typeface="Roboto" panose="02000000000000000000" pitchFamily="2" charset="0"/>
+                <a:hlinkClick r:id="rId5"/>
+              </a:rPr>
+              <a:t>CSS Crash Course For Absolute Beginners</a:t>
+            </a:r>
+            <a:endParaRPr lang="en-SG" b="0" i="0" dirty="0">
+              <a:effectLst/>
+              <a:latin typeface="Roboto" panose="02000000000000000000" pitchFamily="2" charset="0"/>
+            </a:endParaRPr>
+          </a:p>
+          <a:p>
             <a:pPr lvl="1"/>
             <a:r>
               <a:rPr lang="en-SG" b="0" i="0" dirty="0">
@@ -4077,13 +4092,13 @@
             <a:r>
               <a:rPr lang="en-SG" dirty="0">
                 <a:latin typeface="Roboto" panose="02000000000000000000" pitchFamily="2" charset="0"/>
-                <a:hlinkClick r:id="rId5"/>
+                <a:hlinkClick r:id="rId6"/>
               </a:rPr>
               <a:t>w3schools</a:t>
             </a:r>
             <a:endParaRPr lang="en-SG" dirty="0">
               <a:latin typeface="Roboto" panose="02000000000000000000" pitchFamily="2" charset="0"/>
-              <a:hlinkClick r:id="rId6"/>
+              <a:hlinkClick r:id="rId7"/>
             </a:endParaRPr>
           </a:p>
           <a:p>
@@ -4091,7 +4106,7 @@
             <a:r>
               <a:rPr lang="en-SG" dirty="0" err="1">
                 <a:latin typeface="Roboto" panose="02000000000000000000" pitchFamily="2" charset="0"/>
-                <a:hlinkClick r:id="rId6"/>
+                <a:hlinkClick r:id="rId7"/>
               </a:rPr>
               <a:t>TutorialsPoint</a:t>
             </a:r>
@@ -4216,9 +4231,12 @@
           <a:lstStyle/>
           <a:p>
             <a:r>
-              <a:rPr lang="en-SG" dirty="0"/>
-              <a:t>Jake Wright’s Learn HTML &amp; CSS in 12 minutes</a:t>
-            </a:r>
+              <a:rPr lang="en-SG" dirty="0">
+                <a:hlinkClick r:id="rId2"/>
+              </a:rPr>
+              <a:t>Jake Wright’s Learn CSS in 12 minutes</a:t>
+            </a:r>
+            <a:endParaRPr lang="en-SG" dirty="0"/>
           </a:p>
           <a:p>
             <a:pPr lvl="1"/>
@@ -4422,6 +4440,678 @@
     <p:extLst>
       <p:ext uri="{BB962C8B-B14F-4D97-AF65-F5344CB8AC3E}">
         <p14:creationId xmlns:p14="http://schemas.microsoft.com/office/powerpoint/2010/main" val="2293809126"/>
+      </p:ext>
+    </p:extLst>
+  </p:cSld>
+  <p:clrMapOvr>
+    <a:masterClrMapping/>
+  </p:clrMapOvr>
+</p:sld>
+</file>
+
+<file path=ppt/slides/slide7.xml><?xml version="1.0" encoding="utf-8"?>
+<p:sld xmlns:a="http://schemas.openxmlformats.org/drawingml/2006/main" xmlns:r="http://schemas.openxmlformats.org/officeDocument/2006/relationships" xmlns:p="http://schemas.openxmlformats.org/presentationml/2006/main">
+  <p:cSld>
+    <p:spTree>
+      <p:nvGrpSpPr>
+        <p:cNvPr id="1" name=""/>
+        <p:cNvGrpSpPr/>
+        <p:nvPr/>
+      </p:nvGrpSpPr>
+      <p:grpSpPr>
+        <a:xfrm>
+          <a:off x="0" y="0"/>
+          <a:ext cx="0" cy="0"/>
+          <a:chOff x="0" y="0"/>
+          <a:chExt cx="0" cy="0"/>
+        </a:xfrm>
+      </p:grpSpPr>
+      <p:sp>
+        <p:nvSpPr>
+          <p:cNvPr id="4" name="Slide Number Placeholder 3">
+            <a:extLst>
+              <a:ext uri="{FF2B5EF4-FFF2-40B4-BE49-F238E27FC236}">
+                <a16:creationId xmlns:a16="http://schemas.microsoft.com/office/drawing/2014/main" id="{8D12CD0E-01D8-70BA-7BBE-97C6E2D439EB}"/>
+              </a:ext>
+            </a:extLst>
+          </p:cNvPr>
+          <p:cNvSpPr>
+            <a:spLocks noGrp="1"/>
+          </p:cNvSpPr>
+          <p:nvPr>
+            <p:ph type="sldNum" sz="quarter" idx="12"/>
+          </p:nvPr>
+        </p:nvSpPr>
+        <p:spPr/>
+        <p:txBody>
+          <a:bodyPr/>
+          <a:lstStyle/>
+          <a:p>
+            <a:fld id="{CAB166B3-F268-4CEF-878A-CFB0D0D505D3}" type="slidenum">
+              <a:rPr lang="en-US" smtClean="0"/>
+              <a:t>7</a:t>
+            </a:fld>
+            <a:endParaRPr lang="en-US"/>
+          </a:p>
+        </p:txBody>
+      </p:sp>
+      <p:sp>
+        <p:nvSpPr>
+          <p:cNvPr id="5" name="TextBox 4">
+            <a:extLst>
+              <a:ext uri="{FF2B5EF4-FFF2-40B4-BE49-F238E27FC236}">
+                <a16:creationId xmlns:a16="http://schemas.microsoft.com/office/drawing/2014/main" id="{935F4D15-FA9B-FB5A-F736-12C4DB0BF925}"/>
+              </a:ext>
+            </a:extLst>
+          </p:cNvPr>
+          <p:cNvSpPr txBox="1"/>
+          <p:nvPr/>
+        </p:nvSpPr>
+        <p:spPr>
+          <a:xfrm>
+            <a:off x="1934002" y="1558212"/>
+            <a:ext cx="5453929" cy="646331"/>
+          </a:xfrm>
+          <a:prstGeom prst="rect">
+            <a:avLst/>
+          </a:prstGeom>
+          <a:noFill/>
+        </p:spPr>
+        <p:txBody>
+          <a:bodyPr wrap="none" rtlCol="0">
+            <a:spAutoFit/>
+          </a:bodyPr>
+          <a:lstStyle/>
+          <a:p>
+            <a:r>
+              <a:rPr lang="en-SG" sz="3600" dirty="0"/>
+              <a:t>eafablab.github.io/projects</a:t>
+            </a:r>
+            <a:r>
+              <a:rPr lang="en-SG" sz="3600" dirty="0">
+                <a:highlight>
+                  <a:srgbClr val="FFFF00"/>
+                </a:highlight>
+              </a:rPr>
+              <a:t>/</a:t>
+            </a:r>
+            <a:endParaRPr lang="en-US" sz="3600" dirty="0">
+              <a:highlight>
+                <a:srgbClr val="FFFF00"/>
+              </a:highlight>
+            </a:endParaRPr>
+          </a:p>
+        </p:txBody>
+      </p:sp>
+      <p:sp>
+        <p:nvSpPr>
+          <p:cNvPr id="6" name="Rectangle: Rounded Corners 5">
+            <a:extLst>
+              <a:ext uri="{FF2B5EF4-FFF2-40B4-BE49-F238E27FC236}">
+                <a16:creationId xmlns:a16="http://schemas.microsoft.com/office/drawing/2014/main" id="{BC15A39F-3F66-4B0C-FA1D-D05BD0D108E7}"/>
+              </a:ext>
+            </a:extLst>
+          </p:cNvPr>
+          <p:cNvSpPr/>
+          <p:nvPr/>
+        </p:nvSpPr>
+        <p:spPr>
+          <a:xfrm>
+            <a:off x="1828799" y="1488232"/>
+            <a:ext cx="1819469" cy="786290"/>
+          </a:xfrm>
+          <a:prstGeom prst="roundRect">
+            <a:avLst/>
+          </a:prstGeom>
+          <a:noFill/>
+          <a:ln w="38100">
+            <a:solidFill>
+              <a:srgbClr val="FF0000"/>
+            </a:solidFill>
+          </a:ln>
+        </p:spPr>
+        <p:style>
+          <a:lnRef idx="2">
+            <a:schemeClr val="accent1">
+              <a:shade val="50000"/>
+            </a:schemeClr>
+          </a:lnRef>
+          <a:fillRef idx="1">
+            <a:schemeClr val="accent1"/>
+          </a:fillRef>
+          <a:effectRef idx="0">
+            <a:schemeClr val="accent1"/>
+          </a:effectRef>
+          <a:fontRef idx="minor">
+            <a:schemeClr val="lt1"/>
+          </a:fontRef>
+        </p:style>
+        <p:txBody>
+          <a:bodyPr rtlCol="0" anchor="ctr"/>
+          <a:lstStyle/>
+          <a:p>
+            <a:pPr algn="ctr"/>
+            <a:endParaRPr lang="en-US"/>
+          </a:p>
+        </p:txBody>
+      </p:sp>
+      <p:cxnSp>
+        <p:nvCxnSpPr>
+          <p:cNvPr id="8" name="Straight Arrow Connector 7">
+            <a:extLst>
+              <a:ext uri="{FF2B5EF4-FFF2-40B4-BE49-F238E27FC236}">
+                <a16:creationId xmlns:a16="http://schemas.microsoft.com/office/drawing/2014/main" id="{E78C4783-92ED-5BB9-B2A3-C2094610901A}"/>
+              </a:ext>
+            </a:extLst>
+          </p:cNvPr>
+          <p:cNvCxnSpPr/>
+          <p:nvPr/>
+        </p:nvCxnSpPr>
+        <p:spPr>
+          <a:xfrm flipV="1">
+            <a:off x="1390261" y="2388637"/>
+            <a:ext cx="727788" cy="1278294"/>
+          </a:xfrm>
+          <a:prstGeom prst="straightConnector1">
+            <a:avLst/>
+          </a:prstGeom>
+          <a:ln w="38100">
+            <a:solidFill>
+              <a:srgbClr val="FF0000"/>
+            </a:solidFill>
+            <a:tailEnd type="triangle"/>
+          </a:ln>
+        </p:spPr>
+        <p:style>
+          <a:lnRef idx="1">
+            <a:schemeClr val="accent1"/>
+          </a:lnRef>
+          <a:fillRef idx="0">
+            <a:schemeClr val="accent1"/>
+          </a:fillRef>
+          <a:effectRef idx="0">
+            <a:schemeClr val="accent1"/>
+          </a:effectRef>
+          <a:fontRef idx="minor">
+            <a:schemeClr val="tx1"/>
+          </a:fontRef>
+        </p:style>
+      </p:cxnSp>
+      <p:sp>
+        <p:nvSpPr>
+          <p:cNvPr id="9" name="TextBox 8">
+            <a:extLst>
+              <a:ext uri="{FF2B5EF4-FFF2-40B4-BE49-F238E27FC236}">
+                <a16:creationId xmlns:a16="http://schemas.microsoft.com/office/drawing/2014/main" id="{B889AC4F-1CFD-B369-FC04-50E80567EC47}"/>
+              </a:ext>
+            </a:extLst>
+          </p:cNvPr>
+          <p:cNvSpPr txBox="1"/>
+          <p:nvPr/>
+        </p:nvSpPr>
+        <p:spPr>
+          <a:xfrm>
+            <a:off x="550506" y="3726449"/>
+            <a:ext cx="1871025" cy="369332"/>
+          </a:xfrm>
+          <a:prstGeom prst="rect">
+            <a:avLst/>
+          </a:prstGeom>
+          <a:noFill/>
+        </p:spPr>
+        <p:txBody>
+          <a:bodyPr wrap="none" rtlCol="0">
+            <a:spAutoFit/>
+          </a:bodyPr>
+          <a:lstStyle/>
+          <a:p>
+            <a:r>
+              <a:rPr lang="en-SG" dirty="0"/>
+              <a:t>Github user name</a:t>
+            </a:r>
+            <a:endParaRPr lang="en-US" dirty="0"/>
+          </a:p>
+        </p:txBody>
+      </p:sp>
+      <p:sp>
+        <p:nvSpPr>
+          <p:cNvPr id="10" name="Rectangle: Rounded Corners 9">
+            <a:extLst>
+              <a:ext uri="{FF2B5EF4-FFF2-40B4-BE49-F238E27FC236}">
+                <a16:creationId xmlns:a16="http://schemas.microsoft.com/office/drawing/2014/main" id="{E89B9885-D64B-BE1F-13F3-AD8E637F8084}"/>
+              </a:ext>
+            </a:extLst>
+          </p:cNvPr>
+          <p:cNvSpPr/>
+          <p:nvPr/>
+        </p:nvSpPr>
+        <p:spPr>
+          <a:xfrm>
+            <a:off x="3753472" y="1488232"/>
+            <a:ext cx="1620962" cy="786290"/>
+          </a:xfrm>
+          <a:prstGeom prst="roundRect">
+            <a:avLst/>
+          </a:prstGeom>
+          <a:noFill/>
+          <a:ln w="38100">
+            <a:solidFill>
+              <a:srgbClr val="FF0000"/>
+            </a:solidFill>
+          </a:ln>
+        </p:spPr>
+        <p:style>
+          <a:lnRef idx="2">
+            <a:schemeClr val="accent1">
+              <a:shade val="50000"/>
+            </a:schemeClr>
+          </a:lnRef>
+          <a:fillRef idx="1">
+            <a:schemeClr val="accent1"/>
+          </a:fillRef>
+          <a:effectRef idx="0">
+            <a:schemeClr val="accent1"/>
+          </a:effectRef>
+          <a:fontRef idx="minor">
+            <a:schemeClr val="lt1"/>
+          </a:fontRef>
+        </p:style>
+        <p:txBody>
+          <a:bodyPr rtlCol="0" anchor="ctr"/>
+          <a:lstStyle/>
+          <a:p>
+            <a:pPr algn="ctr"/>
+            <a:endParaRPr lang="en-US"/>
+          </a:p>
+        </p:txBody>
+      </p:sp>
+      <p:sp>
+        <p:nvSpPr>
+          <p:cNvPr id="11" name="TextBox 10">
+            <a:extLst>
+              <a:ext uri="{FF2B5EF4-FFF2-40B4-BE49-F238E27FC236}">
+                <a16:creationId xmlns:a16="http://schemas.microsoft.com/office/drawing/2014/main" id="{888E4FAB-D4A1-82B2-730B-34C118EE6D22}"/>
+              </a:ext>
+            </a:extLst>
+          </p:cNvPr>
+          <p:cNvSpPr txBox="1"/>
+          <p:nvPr/>
+        </p:nvSpPr>
+        <p:spPr>
+          <a:xfrm>
+            <a:off x="3852219" y="2344502"/>
+            <a:ext cx="1423467" cy="369332"/>
+          </a:xfrm>
+          <a:prstGeom prst="rect">
+            <a:avLst/>
+          </a:prstGeom>
+          <a:noFill/>
+        </p:spPr>
+        <p:txBody>
+          <a:bodyPr wrap="none" rtlCol="0">
+            <a:spAutoFit/>
+          </a:bodyPr>
+          <a:lstStyle/>
+          <a:p>
+            <a:r>
+              <a:rPr lang="en-SG" dirty="0"/>
+              <a:t>Github pages</a:t>
+            </a:r>
+            <a:endParaRPr lang="en-US" dirty="0"/>
+          </a:p>
+        </p:txBody>
+      </p:sp>
+      <p:cxnSp>
+        <p:nvCxnSpPr>
+          <p:cNvPr id="13" name="Straight Arrow Connector 12">
+            <a:extLst>
+              <a:ext uri="{FF2B5EF4-FFF2-40B4-BE49-F238E27FC236}">
+                <a16:creationId xmlns:a16="http://schemas.microsoft.com/office/drawing/2014/main" id="{23371A83-E3E0-FC96-A402-4CE5EEC396AC}"/>
+              </a:ext>
+            </a:extLst>
+          </p:cNvPr>
+          <p:cNvCxnSpPr>
+            <a:cxnSpLocks/>
+            <a:stCxn id="14" idx="0"/>
+          </p:cNvCxnSpPr>
+          <p:nvPr/>
+        </p:nvCxnSpPr>
+        <p:spPr>
+          <a:xfrm flipV="1">
+            <a:off x="5486401" y="2274522"/>
+            <a:ext cx="858415" cy="1636593"/>
+          </a:xfrm>
+          <a:prstGeom prst="straightConnector1">
+            <a:avLst/>
+          </a:prstGeom>
+          <a:ln w="38100">
+            <a:solidFill>
+              <a:srgbClr val="FF0000"/>
+            </a:solidFill>
+            <a:tailEnd type="triangle"/>
+          </a:ln>
+        </p:spPr>
+        <p:style>
+          <a:lnRef idx="1">
+            <a:schemeClr val="accent1"/>
+          </a:lnRef>
+          <a:fillRef idx="0">
+            <a:schemeClr val="accent1"/>
+          </a:fillRef>
+          <a:effectRef idx="0">
+            <a:schemeClr val="accent1"/>
+          </a:effectRef>
+          <a:fontRef idx="minor">
+            <a:schemeClr val="tx1"/>
+          </a:fontRef>
+        </p:style>
+      </p:cxnSp>
+      <p:sp>
+        <p:nvSpPr>
+          <p:cNvPr id="14" name="TextBox 13">
+            <a:extLst>
+              <a:ext uri="{FF2B5EF4-FFF2-40B4-BE49-F238E27FC236}">
+                <a16:creationId xmlns:a16="http://schemas.microsoft.com/office/drawing/2014/main" id="{F6CD44FE-05AA-3F0C-9EAE-917FFEF46A2C}"/>
+              </a:ext>
+            </a:extLst>
+          </p:cNvPr>
+          <p:cNvSpPr txBox="1"/>
+          <p:nvPr/>
+        </p:nvSpPr>
+        <p:spPr>
+          <a:xfrm>
+            <a:off x="4913616" y="3911115"/>
+            <a:ext cx="1145570" cy="369332"/>
+          </a:xfrm>
+          <a:prstGeom prst="rect">
+            <a:avLst/>
+          </a:prstGeom>
+          <a:noFill/>
+        </p:spPr>
+        <p:txBody>
+          <a:bodyPr wrap="none" rtlCol="0">
+            <a:spAutoFit/>
+          </a:bodyPr>
+          <a:lstStyle/>
+          <a:p>
+            <a:r>
+              <a:rPr lang="en-SG" dirty="0"/>
+              <a:t>repository</a:t>
+            </a:r>
+            <a:endParaRPr lang="en-US" dirty="0"/>
+          </a:p>
+        </p:txBody>
+      </p:sp>
+      <p:sp>
+        <p:nvSpPr>
+          <p:cNvPr id="16" name="Rectangle: Rounded Corners 15">
+            <a:extLst>
+              <a:ext uri="{FF2B5EF4-FFF2-40B4-BE49-F238E27FC236}">
+                <a16:creationId xmlns:a16="http://schemas.microsoft.com/office/drawing/2014/main" id="{194D0D8F-F82D-FA93-A4D9-35CCEC394FAC}"/>
+              </a:ext>
+            </a:extLst>
+          </p:cNvPr>
+          <p:cNvSpPr/>
+          <p:nvPr/>
+        </p:nvSpPr>
+        <p:spPr>
+          <a:xfrm>
+            <a:off x="6917601" y="1495415"/>
+            <a:ext cx="470330" cy="786290"/>
+          </a:xfrm>
+          <a:prstGeom prst="roundRect">
+            <a:avLst/>
+          </a:prstGeom>
+          <a:noFill/>
+          <a:ln w="38100">
+            <a:solidFill>
+              <a:srgbClr val="FF0000"/>
+            </a:solidFill>
+          </a:ln>
+        </p:spPr>
+        <p:style>
+          <a:lnRef idx="2">
+            <a:schemeClr val="accent1">
+              <a:shade val="50000"/>
+            </a:schemeClr>
+          </a:lnRef>
+          <a:fillRef idx="1">
+            <a:schemeClr val="accent1"/>
+          </a:fillRef>
+          <a:effectRef idx="0">
+            <a:schemeClr val="accent1"/>
+          </a:effectRef>
+          <a:fontRef idx="minor">
+            <a:schemeClr val="lt1"/>
+          </a:fontRef>
+        </p:style>
+        <p:txBody>
+          <a:bodyPr rtlCol="0" anchor="ctr"/>
+          <a:lstStyle/>
+          <a:p>
+            <a:pPr algn="ctr"/>
+            <a:endParaRPr lang="en-US"/>
+          </a:p>
+        </p:txBody>
+      </p:sp>
+      <p:sp>
+        <p:nvSpPr>
+          <p:cNvPr id="17" name="Left Brace 16">
+            <a:extLst>
+              <a:ext uri="{FF2B5EF4-FFF2-40B4-BE49-F238E27FC236}">
+                <a16:creationId xmlns:a16="http://schemas.microsoft.com/office/drawing/2014/main" id="{B04D545B-829A-3A4A-DC1C-CC9A53495C7C}"/>
+              </a:ext>
+            </a:extLst>
+          </p:cNvPr>
+          <p:cNvSpPr/>
+          <p:nvPr/>
+        </p:nvSpPr>
+        <p:spPr>
+          <a:xfrm rot="5400000">
+            <a:off x="3889607" y="-2207348"/>
+            <a:ext cx="646331" cy="6503439"/>
+          </a:xfrm>
+          <a:prstGeom prst="leftBrace">
+            <a:avLst/>
+          </a:prstGeom>
+          <a:ln w="38100">
+            <a:solidFill>
+              <a:schemeClr val="accent1">
+                <a:lumMod val="75000"/>
+              </a:schemeClr>
+            </a:solidFill>
+            <a:tailEnd type="triangle"/>
+          </a:ln>
+        </p:spPr>
+        <p:style>
+          <a:lnRef idx="1">
+            <a:schemeClr val="accent1"/>
+          </a:lnRef>
+          <a:fillRef idx="0">
+            <a:schemeClr val="accent1"/>
+          </a:fillRef>
+          <a:effectRef idx="0">
+            <a:schemeClr val="accent1"/>
+          </a:effectRef>
+          <a:fontRef idx="minor">
+            <a:schemeClr val="tx1"/>
+          </a:fontRef>
+        </p:style>
+        <p:txBody>
+          <a:bodyPr rtlCol="0" anchor="ctr"/>
+          <a:lstStyle/>
+          <a:p>
+            <a:pPr algn="ctr"/>
+            <a:endParaRPr lang="en-US"/>
+          </a:p>
+        </p:txBody>
+      </p:sp>
+      <p:sp>
+        <p:nvSpPr>
+          <p:cNvPr id="18" name="TextBox 17">
+            <a:extLst>
+              <a:ext uri="{FF2B5EF4-FFF2-40B4-BE49-F238E27FC236}">
+                <a16:creationId xmlns:a16="http://schemas.microsoft.com/office/drawing/2014/main" id="{8C3B4C01-01A7-7FD4-E600-37C5FF44FC74}"/>
+              </a:ext>
+            </a:extLst>
+          </p:cNvPr>
+          <p:cNvSpPr txBox="1"/>
+          <p:nvPr/>
+        </p:nvSpPr>
+        <p:spPr>
+          <a:xfrm>
+            <a:off x="257494" y="1565394"/>
+            <a:ext cx="1623906" cy="646331"/>
+          </a:xfrm>
+          <a:prstGeom prst="rect">
+            <a:avLst/>
+          </a:prstGeom>
+          <a:noFill/>
+          <a:ln>
+            <a:solidFill>
+              <a:schemeClr val="bg1"/>
+            </a:solidFill>
+          </a:ln>
+        </p:spPr>
+        <p:txBody>
+          <a:bodyPr wrap="none" rtlCol="0">
+            <a:spAutoFit/>
+          </a:bodyPr>
+          <a:lstStyle/>
+          <a:p>
+            <a:r>
+              <a:rPr lang="en-SG" sz="3600" dirty="0">
+                <a:solidFill>
+                  <a:schemeClr val="accent2">
+                    <a:lumMod val="75000"/>
+                  </a:schemeClr>
+                </a:solidFill>
+              </a:rPr>
+              <a:t>https://</a:t>
+            </a:r>
+            <a:endParaRPr lang="en-US" sz="3600" dirty="0">
+              <a:solidFill>
+                <a:schemeClr val="accent2">
+                  <a:lumMod val="75000"/>
+                </a:schemeClr>
+              </a:solidFill>
+            </a:endParaRPr>
+          </a:p>
+        </p:txBody>
+      </p:sp>
+      <p:sp>
+        <p:nvSpPr>
+          <p:cNvPr id="19" name="TextBox 18">
+            <a:extLst>
+              <a:ext uri="{FF2B5EF4-FFF2-40B4-BE49-F238E27FC236}">
+                <a16:creationId xmlns:a16="http://schemas.microsoft.com/office/drawing/2014/main" id="{387B6002-F2A6-761E-7C3F-7019D540DBC7}"/>
+              </a:ext>
+            </a:extLst>
+          </p:cNvPr>
+          <p:cNvSpPr txBox="1"/>
+          <p:nvPr/>
+        </p:nvSpPr>
+        <p:spPr>
+          <a:xfrm>
+            <a:off x="2611286" y="167208"/>
+            <a:ext cx="3304322" cy="369332"/>
+          </a:xfrm>
+          <a:prstGeom prst="rect">
+            <a:avLst/>
+          </a:prstGeom>
+          <a:noFill/>
+        </p:spPr>
+        <p:txBody>
+          <a:bodyPr wrap="square" rtlCol="0">
+            <a:spAutoFit/>
+          </a:bodyPr>
+          <a:lstStyle/>
+          <a:p>
+            <a:pPr algn="ctr"/>
+            <a:r>
+              <a:rPr lang="en-SG" dirty="0"/>
+              <a:t>Web site </a:t>
+            </a:r>
+            <a:r>
+              <a:rPr lang="en-SG" dirty="0" err="1"/>
+              <a:t>url</a:t>
+            </a:r>
+            <a:endParaRPr lang="en-US" dirty="0"/>
+          </a:p>
+        </p:txBody>
+      </p:sp>
+      <p:sp>
+        <p:nvSpPr>
+          <p:cNvPr id="20" name="TextBox 19">
+            <a:extLst>
+              <a:ext uri="{FF2B5EF4-FFF2-40B4-BE49-F238E27FC236}">
+                <a16:creationId xmlns:a16="http://schemas.microsoft.com/office/drawing/2014/main" id="{80918163-BCF5-A84F-9EE7-710C668822EF}"/>
+              </a:ext>
+            </a:extLst>
+          </p:cNvPr>
+          <p:cNvSpPr txBox="1"/>
+          <p:nvPr/>
+        </p:nvSpPr>
+        <p:spPr>
+          <a:xfrm>
+            <a:off x="6883778" y="2295421"/>
+            <a:ext cx="2044855" cy="923330"/>
+          </a:xfrm>
+          <a:prstGeom prst="rect">
+            <a:avLst/>
+          </a:prstGeom>
+          <a:noFill/>
+        </p:spPr>
+        <p:txBody>
+          <a:bodyPr wrap="none" rtlCol="0">
+            <a:spAutoFit/>
+          </a:bodyPr>
+          <a:lstStyle/>
+          <a:p>
+            <a:r>
+              <a:rPr lang="en-SG" dirty="0"/>
+              <a:t>Return default page</a:t>
+            </a:r>
+          </a:p>
+          <a:p>
+            <a:pPr marL="285750" indent="-285750">
+              <a:buFontTx/>
+              <a:buChar char="-"/>
+            </a:pPr>
+            <a:r>
+              <a:rPr lang="en-SG" dirty="0">
+                <a:solidFill>
+                  <a:schemeClr val="accent2">
+                    <a:lumMod val="75000"/>
+                  </a:schemeClr>
+                </a:solidFill>
+              </a:rPr>
+              <a:t>index.html</a:t>
+            </a:r>
+            <a:endParaRPr lang="en-US" dirty="0">
+              <a:solidFill>
+                <a:schemeClr val="accent2">
+                  <a:lumMod val="75000"/>
+                </a:schemeClr>
+              </a:solidFill>
+            </a:endParaRPr>
+          </a:p>
+          <a:p>
+            <a:pPr marL="285750" indent="-285750">
+              <a:buFontTx/>
+              <a:buChar char="-"/>
+            </a:pPr>
+            <a:r>
+              <a:rPr lang="en-SG" dirty="0"/>
+              <a:t>readme.md</a:t>
+            </a:r>
+          </a:p>
+        </p:txBody>
+      </p:sp>
+    </p:spTree>
+    <p:extLst>
+      <p:ext uri="{BB962C8B-B14F-4D97-AF65-F5344CB8AC3E}">
+        <p14:creationId xmlns:p14="http://schemas.microsoft.com/office/powerpoint/2010/main" val="2700330273"/>
       </p:ext>
     </p:extLst>
   </p:cSld>
@@ -4682,7 +5372,34 @@
       </a:bgFillStyleLst>
     </a:fmtScheme>
   </a:themeElements>
-  <a:objectDefaults/>
+  <a:objectDefaults>
+    <a:lnDef>
+      <a:spPr>
+        <a:ln w="38100">
+          <a:solidFill>
+            <a:srgbClr val="FF0000"/>
+          </a:solidFill>
+          <a:tailEnd type="triangle"/>
+        </a:ln>
+      </a:spPr>
+      <a:bodyPr/>
+      <a:lstStyle/>
+      <a:style>
+        <a:lnRef idx="1">
+          <a:schemeClr val="accent1"/>
+        </a:lnRef>
+        <a:fillRef idx="0">
+          <a:schemeClr val="accent1"/>
+        </a:fillRef>
+        <a:effectRef idx="0">
+          <a:schemeClr val="accent1"/>
+        </a:effectRef>
+        <a:fontRef idx="minor">
+          <a:schemeClr val="tx1"/>
+        </a:fontRef>
+      </a:style>
+    </a:lnDef>
+  </a:objectDefaults>
   <a:extraClrSchemeLst/>
   <a:extLst>
     <a:ext uri="{05A4C25C-085E-4340-85A3-A5531E510DB2}">
